--- a/IP1.pptx
+++ b/IP1.pptx
@@ -12838,18 +12838,10 @@
           <a:lstStyle/>
           <a:p>
             <a:r>
-              <a:rPr lang="cs-CZ" dirty="0">
-                <a:solidFill>
-                  <a:schemeClr val="bg1"/>
-                </a:solidFill>
-              </a:rPr>
+              <a:rPr lang="cs-CZ" dirty="0"/>
               <a:t>Minimalizace Automatu pro inspekci síťového provozu</a:t>
             </a:r>
-            <a:endParaRPr lang="en-GB" dirty="0">
-              <a:solidFill>
-                <a:schemeClr val="bg1"/>
-              </a:solidFill>
-            </a:endParaRPr>
+            <a:endParaRPr lang="en-GB" dirty="0"/>
           </a:p>
         </p:txBody>
       </p:sp>
@@ -12934,18 +12926,10 @@
           <a:lstStyle/>
           <a:p>
             <a:r>
-              <a:rPr lang="cs-CZ" dirty="0">
-                <a:solidFill>
-                  <a:schemeClr val="bg1"/>
-                </a:solidFill>
-              </a:rPr>
+              <a:rPr lang="cs-CZ" dirty="0"/>
               <a:t>Závěr</a:t>
             </a:r>
-            <a:endParaRPr lang="en-GB" dirty="0">
-              <a:solidFill>
-                <a:schemeClr val="bg1"/>
-              </a:solidFill>
-            </a:endParaRPr>
+            <a:endParaRPr lang="en-GB" dirty="0"/>
           </a:p>
         </p:txBody>
       </p:sp>
@@ -12978,82 +12962,50 @@
           <a:lstStyle/>
           <a:p>
             <a:r>
-              <a:rPr lang="cs-CZ" sz="2800" dirty="0">
-                <a:solidFill>
-                  <a:schemeClr val="bg1"/>
-                </a:solidFill>
-              </a:rPr>
+              <a:rPr lang="cs-CZ" sz="2800" dirty="0"/>
               <a:t>Bezkolizní relace</a:t>
             </a:r>
           </a:p>
           <a:p>
             <a:pPr lvl="1"/>
             <a:r>
-              <a:rPr lang="cs-CZ" sz="2400" dirty="0">
-                <a:solidFill>
-                  <a:schemeClr val="bg1"/>
-                </a:solidFill>
-              </a:rPr>
+              <a:rPr lang="cs-CZ" sz="2400" dirty="0"/>
               <a:t>Vhodný doplněk</a:t>
             </a:r>
           </a:p>
           <a:p>
             <a:r>
-              <a:rPr lang="cs-CZ" sz="2800" dirty="0">
-                <a:solidFill>
-                  <a:schemeClr val="bg1"/>
-                </a:solidFill>
-              </a:rPr>
+              <a:rPr lang="cs-CZ" sz="2800" dirty="0"/>
               <a:t>Úplné podgrafy</a:t>
             </a:r>
           </a:p>
           <a:p>
             <a:pPr lvl="1"/>
             <a:r>
-              <a:rPr lang="cs-CZ" sz="2400" dirty="0">
-                <a:solidFill>
-                  <a:schemeClr val="bg1"/>
-                </a:solidFill>
-              </a:rPr>
+              <a:rPr lang="cs-CZ" sz="2400" dirty="0"/>
               <a:t>Použití Heuristiky</a:t>
             </a:r>
           </a:p>
           <a:p>
             <a:r>
-              <a:rPr lang="cs-CZ" sz="2800" dirty="0">
-                <a:solidFill>
-                  <a:schemeClr val="bg1"/>
-                </a:solidFill>
-              </a:rPr>
+              <a:rPr lang="cs-CZ" sz="2800" dirty="0"/>
               <a:t>Úspěšná redukce počtu registrů </a:t>
             </a:r>
           </a:p>
           <a:p>
             <a:pPr lvl="1"/>
             <a:r>
-              <a:rPr lang="cs-CZ" sz="2400" dirty="0">
-                <a:solidFill>
-                  <a:schemeClr val="bg1"/>
-                </a:solidFill>
-              </a:rPr>
+              <a:rPr lang="cs-CZ" sz="2400" dirty="0"/>
               <a:t>Zvýšení počtu logických členů</a:t>
             </a:r>
           </a:p>
           <a:p>
             <a:pPr lvl="1"/>
             <a:r>
-              <a:rPr lang="cs-CZ" sz="2400" dirty="0">
-                <a:solidFill>
-                  <a:schemeClr val="bg1"/>
-                </a:solidFill>
-              </a:rPr>
+              <a:rPr lang="cs-CZ" sz="2400" dirty="0"/>
               <a:t>Prodloužení nejdelší cesty obvodu</a:t>
             </a:r>
-            <a:endParaRPr lang="en-GB" sz="2400" dirty="0">
-              <a:solidFill>
-                <a:schemeClr val="bg1"/>
-              </a:solidFill>
-            </a:endParaRPr>
+            <a:endParaRPr lang="en-GB" sz="2400" dirty="0"/>
           </a:p>
         </p:txBody>
       </p:sp>
@@ -13172,18 +13124,10 @@
           <a:lstStyle/>
           <a:p>
             <a:r>
-              <a:rPr lang="cs-CZ" dirty="0">
-                <a:solidFill>
-                  <a:schemeClr val="bg1"/>
-                </a:solidFill>
-              </a:rPr>
+              <a:rPr lang="cs-CZ" dirty="0"/>
               <a:t>Děkuji za pozornost</a:t>
             </a:r>
-            <a:endParaRPr lang="en-GB" dirty="0">
-              <a:solidFill>
-                <a:schemeClr val="bg1"/>
-              </a:solidFill>
-            </a:endParaRPr>
+            <a:endParaRPr lang="en-GB" dirty="0"/>
           </a:p>
         </p:txBody>
       </p:sp>
@@ -13327,18 +13271,10 @@
           <a:lstStyle/>
           <a:p>
             <a:r>
-              <a:rPr lang="cs-CZ" dirty="0">
-                <a:solidFill>
-                  <a:schemeClr val="bg1"/>
-                </a:solidFill>
-              </a:rPr>
+              <a:rPr lang="cs-CZ" dirty="0"/>
               <a:t>Úvod do problematiky</a:t>
             </a:r>
-            <a:endParaRPr lang="en-GB" dirty="0">
-              <a:solidFill>
-                <a:schemeClr val="bg1"/>
-              </a:solidFill>
-            </a:endParaRPr>
+            <a:endParaRPr lang="en-GB" dirty="0"/>
           </a:p>
         </p:txBody>
       </p:sp>
@@ -13364,45 +13300,25 @@
           <a:lstStyle/>
           <a:p>
             <a:r>
-              <a:rPr lang="cs-CZ" sz="2800" dirty="0">
-                <a:solidFill>
-                  <a:schemeClr val="bg1"/>
-                </a:solidFill>
-              </a:rPr>
+              <a:rPr lang="cs-CZ" sz="2800" dirty="0"/>
               <a:t>Použití regulárních výrazů</a:t>
             </a:r>
           </a:p>
           <a:p>
-            <a:endParaRPr lang="cs-CZ" sz="2800" dirty="0">
-              <a:solidFill>
-                <a:schemeClr val="bg1"/>
-              </a:solidFill>
-            </a:endParaRPr>
+            <a:endParaRPr lang="cs-CZ" sz="2800" dirty="0"/>
           </a:p>
           <a:p>
             <a:r>
-              <a:rPr lang="cs-CZ" sz="2800" dirty="0">
-                <a:solidFill>
-                  <a:schemeClr val="bg1"/>
-                </a:solidFill>
-              </a:rPr>
+              <a:rPr lang="cs-CZ" sz="2800" dirty="0"/>
               <a:t>Technologie FPGA</a:t>
             </a:r>
           </a:p>
           <a:p>
-            <a:endParaRPr lang="cs-CZ" sz="2800" dirty="0">
-              <a:solidFill>
-                <a:schemeClr val="bg1"/>
-              </a:solidFill>
-            </a:endParaRPr>
+            <a:endParaRPr lang="cs-CZ" sz="2800" dirty="0"/>
           </a:p>
           <a:p>
             <a:r>
-              <a:rPr lang="cs-CZ" sz="2800" dirty="0">
-                <a:solidFill>
-                  <a:schemeClr val="bg1"/>
-                </a:solidFill>
-              </a:rPr>
+              <a:rPr lang="cs-CZ" sz="2800" dirty="0"/>
               <a:t>Redukce velikosti </a:t>
             </a:r>
           </a:p>
@@ -13529,18 +13445,10 @@
           <a:lstStyle/>
           <a:p>
             <a:r>
-              <a:rPr lang="cs-CZ" dirty="0">
-                <a:solidFill>
-                  <a:schemeClr val="bg1"/>
-                </a:solidFill>
-              </a:rPr>
+              <a:rPr lang="cs-CZ" dirty="0"/>
               <a:t>Hledání vhodných stavů</a:t>
             </a:r>
-            <a:endParaRPr lang="en-GB" dirty="0">
-              <a:solidFill>
-                <a:schemeClr val="bg1"/>
-              </a:solidFill>
-            </a:endParaRPr>
+            <a:endParaRPr lang="en-GB" dirty="0"/>
           </a:p>
         </p:txBody>
       </p:sp>
@@ -13568,230 +13476,118 @@
           <a:lstStyle/>
           <a:p>
             <a:r>
-              <a:rPr lang="cs-CZ" sz="2800" dirty="0">
-                <a:solidFill>
-                  <a:schemeClr val="bg1"/>
-                </a:solidFill>
-              </a:rPr>
+              <a:rPr lang="cs-CZ" sz="2800" dirty="0"/>
               <a:t>Konečný automat</a:t>
             </a:r>
           </a:p>
           <a:p>
             <a:r>
-              <a:rPr lang="cs-CZ" sz="2800" dirty="0">
-                <a:solidFill>
-                  <a:schemeClr val="bg1"/>
-                </a:solidFill>
-              </a:rPr>
+              <a:rPr lang="cs-CZ" sz="2800" dirty="0"/>
               <a:t>Bezkolizní relace</a:t>
             </a:r>
           </a:p>
           <a:p>
             <a:pPr lvl="1"/>
             <a:r>
-              <a:rPr lang="cs-CZ" sz="2200" dirty="0">
-                <a:solidFill>
-                  <a:schemeClr val="bg1"/>
-                </a:solidFill>
-              </a:rPr>
+              <a:rPr lang="cs-CZ" sz="2200" dirty="0"/>
               <a:t>R = {(</a:t>
             </a:r>
             <a:r>
-              <a:rPr lang="cs-CZ" sz="2200" i="1" dirty="0">
-                <a:solidFill>
-                  <a:schemeClr val="bg1"/>
-                </a:solidFill>
-              </a:rPr>
+              <a:rPr lang="cs-CZ" sz="2200" i="1" dirty="0"/>
               <a:t>q</a:t>
             </a:r>
             <a:r>
-              <a:rPr lang="cs-CZ" sz="2200" i="1" baseline="-25000" dirty="0">
-                <a:solidFill>
-                  <a:schemeClr val="bg1"/>
-                </a:solidFill>
-              </a:rPr>
+              <a:rPr lang="cs-CZ" sz="2200" i="1" baseline="-25000" dirty="0"/>
               <a:t>1</a:t>
             </a:r>
             <a:r>
-              <a:rPr lang="cs-CZ" sz="2200" dirty="0">
-                <a:solidFill>
-                  <a:schemeClr val="bg1"/>
-                </a:solidFill>
-              </a:rPr>
+              <a:rPr lang="cs-CZ" sz="2200" dirty="0"/>
               <a:t>, </a:t>
             </a:r>
             <a:r>
-              <a:rPr lang="cs-CZ" sz="2200" i="1" dirty="0">
-                <a:solidFill>
-                  <a:schemeClr val="bg1"/>
-                </a:solidFill>
-              </a:rPr>
+              <a:rPr lang="cs-CZ" sz="2200" i="1" dirty="0"/>
               <a:t>q</a:t>
             </a:r>
             <a:r>
-              <a:rPr lang="cs-CZ" sz="2200" i="1" baseline="-25000" dirty="0">
-                <a:solidFill>
-                  <a:schemeClr val="bg1"/>
-                </a:solidFill>
-              </a:rPr>
+              <a:rPr lang="cs-CZ" sz="2200" i="1" baseline="-25000" dirty="0"/>
               <a:t>2</a:t>
             </a:r>
             <a:r>
-              <a:rPr lang="cs-CZ" sz="2200" dirty="0">
-                <a:solidFill>
-                  <a:schemeClr val="bg1"/>
-                </a:solidFill>
-              </a:rPr>
+              <a:rPr lang="cs-CZ" sz="2200" dirty="0"/>
               <a:t>) | neexistuje slovo </a:t>
             </a:r>
             <a:r>
-              <a:rPr lang="cs-CZ" sz="2200" i="1" dirty="0">
-                <a:solidFill>
-                  <a:schemeClr val="bg1"/>
-                </a:solidFill>
-              </a:rPr>
+              <a:rPr lang="cs-CZ" sz="2200" i="1" dirty="0"/>
               <a:t>w</a:t>
             </a:r>
             <a:r>
-              <a:rPr lang="cs-CZ" sz="2200" dirty="0">
-                <a:solidFill>
-                  <a:schemeClr val="bg1"/>
-                </a:solidFill>
-              </a:rPr>
+              <a:rPr lang="cs-CZ" sz="2200" dirty="0"/>
               <a:t> takové, že </a:t>
             </a:r>
             <a:r>
-              <a:rPr lang="cs-CZ" sz="2200" i="1" dirty="0">
-                <a:solidFill>
-                  <a:schemeClr val="bg1"/>
-                </a:solidFill>
-              </a:rPr>
+              <a:rPr lang="cs-CZ" sz="2200" i="1" dirty="0"/>
               <a:t>q</a:t>
             </a:r>
             <a:r>
-              <a:rPr lang="cs-CZ" sz="2200" i="1" baseline="-25000" dirty="0">
-                <a:solidFill>
-                  <a:schemeClr val="bg1"/>
-                </a:solidFill>
-              </a:rPr>
+              <a:rPr lang="cs-CZ" sz="2200" i="1" baseline="-25000" dirty="0"/>
               <a:t>1</a:t>
             </a:r>
             <a:r>
-              <a:rPr lang="cs-CZ" sz="2200" dirty="0">
-                <a:solidFill>
-                  <a:schemeClr val="bg1"/>
-                </a:solidFill>
-              </a:rPr>
+              <a:rPr lang="cs-CZ" sz="2200" dirty="0"/>
               <a:t> i </a:t>
             </a:r>
             <a:r>
-              <a:rPr lang="cs-CZ" sz="2200" i="1" dirty="0">
-                <a:solidFill>
-                  <a:schemeClr val="bg1"/>
-                </a:solidFill>
-              </a:rPr>
+              <a:rPr lang="cs-CZ" sz="2200" i="1" dirty="0"/>
               <a:t>q</a:t>
             </a:r>
             <a:r>
-              <a:rPr lang="cs-CZ" sz="2200" i="1" baseline="-25000" dirty="0">
-                <a:solidFill>
-                  <a:schemeClr val="bg1"/>
-                </a:solidFill>
-              </a:rPr>
+              <a:rPr lang="cs-CZ" sz="2200" i="1" baseline="-25000" dirty="0"/>
               <a:t>2</a:t>
             </a:r>
             <a:r>
-              <a:rPr lang="cs-CZ" sz="2200" i="1" dirty="0">
-                <a:solidFill>
-                  <a:schemeClr val="bg1"/>
-                </a:solidFill>
-              </a:rPr>
+              <a:rPr lang="cs-CZ" sz="2200" i="1" dirty="0"/>
               <a:t> </a:t>
             </a:r>
             <a:r>
-              <a:rPr lang="cs-CZ" sz="2200" dirty="0">
-                <a:solidFill>
-                  <a:schemeClr val="bg1"/>
-                </a:solidFill>
-              </a:rPr>
+              <a:rPr lang="cs-CZ" sz="2200" dirty="0"/>
               <a:t>jsou dosažitelné z některého počátečního stavu konečného automatu přes stejné </a:t>
             </a:r>
             <a:r>
-              <a:rPr lang="cs-CZ" sz="2200" i="1" dirty="0">
-                <a:solidFill>
-                  <a:schemeClr val="bg1"/>
-                </a:solidFill>
-              </a:rPr>
+              <a:rPr lang="cs-CZ" sz="2200" i="1" dirty="0"/>
               <a:t>w</a:t>
             </a:r>
             <a:r>
-              <a:rPr lang="cs-CZ" sz="2200" dirty="0">
-                <a:solidFill>
-                  <a:schemeClr val="bg1"/>
-                </a:solidFill>
-              </a:rPr>
+              <a:rPr lang="cs-CZ" sz="2200" dirty="0"/>
               <a:t>, kde </a:t>
             </a:r>
             <a:r>
-              <a:rPr lang="cs-CZ" sz="2200" i="1" dirty="0">
-                <a:solidFill>
-                  <a:schemeClr val="bg1"/>
-                </a:solidFill>
-              </a:rPr>
+              <a:rPr lang="cs-CZ" sz="2200" i="1" dirty="0"/>
               <a:t>w</a:t>
             </a:r>
             <a:r>
-              <a:rPr lang="cs-CZ" sz="2200" dirty="0">
-                <a:solidFill>
-                  <a:schemeClr val="bg1"/>
-                </a:solidFill>
-              </a:rPr>
-              <a:t> je </a:t>
+              <a:rPr lang="cs-CZ" sz="2200" dirty="0"/>
+              <a:t> je z </a:t>
             </a:r>
             <a:r>
-              <a:rPr lang="el-GR" sz="2200" dirty="0">
-                <a:solidFill>
-                  <a:schemeClr val="bg1"/>
-                </a:solidFill>
-              </a:rPr>
+              <a:rPr lang="el-GR" sz="2200" dirty="0"/>
               <a:t>Σ</a:t>
             </a:r>
             <a:r>
-              <a:rPr lang="el-GR" sz="2200" baseline="30000" dirty="0">
-                <a:solidFill>
-                  <a:schemeClr val="bg1"/>
-                </a:solidFill>
-              </a:rPr>
+              <a:rPr lang="el-GR" sz="2200" baseline="30000" dirty="0"/>
               <a:t>∗</a:t>
             </a:r>
             <a:r>
-              <a:rPr lang="el-GR" sz="2200" dirty="0">
-                <a:solidFill>
-                  <a:schemeClr val="bg1"/>
-                </a:solidFill>
-              </a:rPr>
+              <a:rPr lang="el-GR" sz="2200" dirty="0"/>
               <a:t>} </a:t>
             </a:r>
-            <a:endParaRPr lang="cs-CZ" sz="2200" dirty="0">
-              <a:solidFill>
-                <a:schemeClr val="bg1"/>
-              </a:solidFill>
-            </a:endParaRPr>
+            <a:endParaRPr lang="cs-CZ" sz="2200" dirty="0"/>
           </a:p>
           <a:p>
             <a:r>
-              <a:rPr lang="cs-CZ" sz="2800" dirty="0">
-                <a:solidFill>
-                  <a:schemeClr val="bg1"/>
-                </a:solidFill>
-              </a:rPr>
+              <a:rPr lang="cs-CZ" sz="2800" dirty="0"/>
               <a:t>Použitý algoritmus</a:t>
             </a:r>
-            <a:endParaRPr lang="en-GB" sz="2800" dirty="0">
-              <a:solidFill>
-                <a:schemeClr val="bg1"/>
-              </a:solidFill>
-            </a:endParaRPr>
+            <a:endParaRPr lang="en-GB" sz="2800" dirty="0"/>
           </a:p>
         </p:txBody>
       </p:sp>
@@ -13905,18 +13701,10 @@
           <a:lstStyle/>
           <a:p>
             <a:r>
-              <a:rPr lang="cs-CZ" dirty="0">
-                <a:solidFill>
-                  <a:schemeClr val="bg1"/>
-                </a:solidFill>
-              </a:rPr>
+              <a:rPr lang="cs-CZ" dirty="0"/>
               <a:t>Výsledky bezkolizní relace</a:t>
             </a:r>
-            <a:endParaRPr lang="en-GB" dirty="0">
-              <a:solidFill>
-                <a:schemeClr val="bg1"/>
-              </a:solidFill>
-            </a:endParaRPr>
+            <a:endParaRPr lang="en-GB" dirty="0"/>
           </a:p>
         </p:txBody>
       </p:sp>
@@ -13949,194 +13737,98 @@
           <a:lstStyle/>
           <a:p>
             <a:r>
-              <a:rPr lang="cs-CZ" dirty="0">
-                <a:solidFill>
-                  <a:schemeClr val="bg1"/>
-                </a:solidFill>
-              </a:rPr>
+              <a:rPr lang="cs-CZ" dirty="0"/>
               <a:t>R = {(</a:t>
             </a:r>
             <a:r>
-              <a:rPr lang="cs-CZ" i="1" dirty="0">
-                <a:solidFill>
-                  <a:schemeClr val="bg1"/>
-                </a:solidFill>
-              </a:rPr>
+              <a:rPr lang="cs-CZ" i="1" dirty="0"/>
               <a:t>q</a:t>
             </a:r>
             <a:r>
-              <a:rPr lang="cs-CZ" i="1" baseline="-25000" dirty="0">
-                <a:solidFill>
-                  <a:schemeClr val="bg1"/>
-                </a:solidFill>
-              </a:rPr>
+              <a:rPr lang="cs-CZ" i="1" baseline="-25000" dirty="0"/>
               <a:t>1</a:t>
             </a:r>
             <a:r>
-              <a:rPr lang="cs-CZ" dirty="0">
-                <a:solidFill>
-                  <a:schemeClr val="bg1"/>
-                </a:solidFill>
-              </a:rPr>
+              <a:rPr lang="cs-CZ" dirty="0"/>
               <a:t>, </a:t>
             </a:r>
             <a:r>
-              <a:rPr lang="cs-CZ" i="1" dirty="0">
-                <a:solidFill>
-                  <a:schemeClr val="bg1"/>
-                </a:solidFill>
-              </a:rPr>
+              <a:rPr lang="cs-CZ" i="1" dirty="0"/>
               <a:t>q</a:t>
             </a:r>
             <a:r>
-              <a:rPr lang="cs-CZ" i="1" baseline="-25000" dirty="0">
-                <a:solidFill>
-                  <a:schemeClr val="bg1"/>
-                </a:solidFill>
-              </a:rPr>
+              <a:rPr lang="cs-CZ" i="1" baseline="-25000" dirty="0"/>
               <a:t>2</a:t>
             </a:r>
             <a:r>
-              <a:rPr lang="cs-CZ" dirty="0">
-                <a:solidFill>
-                  <a:schemeClr val="bg1"/>
-                </a:solidFill>
-              </a:rPr>
+              <a:rPr lang="cs-CZ" dirty="0"/>
               <a:t>) | neexistuje slovo </a:t>
             </a:r>
             <a:r>
-              <a:rPr lang="cs-CZ" i="1" dirty="0">
-                <a:solidFill>
-                  <a:schemeClr val="bg1"/>
-                </a:solidFill>
-              </a:rPr>
+              <a:rPr lang="cs-CZ" i="1" dirty="0"/>
               <a:t>w</a:t>
             </a:r>
             <a:r>
-              <a:rPr lang="cs-CZ" dirty="0">
-                <a:solidFill>
-                  <a:schemeClr val="bg1"/>
-                </a:solidFill>
-              </a:rPr>
+              <a:rPr lang="cs-CZ" dirty="0"/>
               <a:t> takové, že </a:t>
             </a:r>
             <a:r>
-              <a:rPr lang="cs-CZ" i="1" dirty="0">
-                <a:solidFill>
-                  <a:schemeClr val="bg1"/>
-                </a:solidFill>
-              </a:rPr>
+              <a:rPr lang="cs-CZ" i="1" dirty="0"/>
               <a:t>q</a:t>
             </a:r>
             <a:r>
-              <a:rPr lang="cs-CZ" i="1" baseline="-25000" dirty="0">
-                <a:solidFill>
-                  <a:schemeClr val="bg1"/>
-                </a:solidFill>
-              </a:rPr>
+              <a:rPr lang="cs-CZ" i="1" baseline="-25000" dirty="0"/>
               <a:t>1</a:t>
             </a:r>
             <a:r>
-              <a:rPr lang="cs-CZ" dirty="0">
-                <a:solidFill>
-                  <a:schemeClr val="bg1"/>
-                </a:solidFill>
-              </a:rPr>
+              <a:rPr lang="cs-CZ" dirty="0"/>
               <a:t> i </a:t>
             </a:r>
             <a:r>
-              <a:rPr lang="cs-CZ" i="1" dirty="0">
-                <a:solidFill>
-                  <a:schemeClr val="bg1"/>
-                </a:solidFill>
-              </a:rPr>
+              <a:rPr lang="cs-CZ" i="1" dirty="0"/>
               <a:t>q</a:t>
             </a:r>
             <a:r>
-              <a:rPr lang="cs-CZ" i="1" baseline="-25000" dirty="0">
-                <a:solidFill>
-                  <a:schemeClr val="bg1"/>
-                </a:solidFill>
-              </a:rPr>
+              <a:rPr lang="cs-CZ" i="1" baseline="-25000" dirty="0"/>
               <a:t>2</a:t>
             </a:r>
             <a:r>
-              <a:rPr lang="cs-CZ" i="1" dirty="0">
-                <a:solidFill>
-                  <a:schemeClr val="bg1"/>
-                </a:solidFill>
-              </a:rPr>
+              <a:rPr lang="cs-CZ" i="1" dirty="0"/>
               <a:t> </a:t>
             </a:r>
             <a:r>
-              <a:rPr lang="cs-CZ" dirty="0">
-                <a:solidFill>
-                  <a:schemeClr val="bg1"/>
-                </a:solidFill>
-              </a:rPr>
+              <a:rPr lang="cs-CZ" dirty="0"/>
               <a:t>jsou dosažitelné z některého počátečního stavu konečného automatu přes stejné </a:t>
             </a:r>
             <a:r>
-              <a:rPr lang="cs-CZ" i="1" dirty="0">
-                <a:solidFill>
-                  <a:schemeClr val="bg1"/>
-                </a:solidFill>
-              </a:rPr>
+              <a:rPr lang="cs-CZ" i="1" dirty="0"/>
               <a:t>w</a:t>
             </a:r>
             <a:r>
-              <a:rPr lang="cs-CZ" dirty="0">
-                <a:solidFill>
-                  <a:schemeClr val="bg1"/>
-                </a:solidFill>
-              </a:rPr>
+              <a:rPr lang="cs-CZ" dirty="0"/>
               <a:t>, kde </a:t>
             </a:r>
             <a:r>
-              <a:rPr lang="cs-CZ" i="1" dirty="0">
-                <a:solidFill>
-                  <a:schemeClr val="bg1"/>
-                </a:solidFill>
-              </a:rPr>
+              <a:rPr lang="cs-CZ" i="1" dirty="0"/>
               <a:t>w</a:t>
             </a:r>
             <a:r>
-              <a:rPr lang="cs-CZ" dirty="0">
-                <a:solidFill>
-                  <a:schemeClr val="bg1"/>
-                </a:solidFill>
-              </a:rPr>
-              <a:t> je </a:t>
+              <a:rPr lang="cs-CZ" dirty="0"/>
+              <a:t> je z </a:t>
             </a:r>
             <a:r>
-              <a:rPr lang="el-GR" dirty="0">
-                <a:solidFill>
-                  <a:schemeClr val="bg1"/>
-                </a:solidFill>
-              </a:rPr>
+              <a:rPr lang="el-GR" dirty="0"/>
               <a:t>Σ</a:t>
             </a:r>
             <a:r>
-              <a:rPr lang="el-GR" baseline="30000" dirty="0">
-                <a:solidFill>
-                  <a:schemeClr val="bg1"/>
-                </a:solidFill>
-              </a:rPr>
+              <a:rPr lang="el-GR" baseline="30000" dirty="0"/>
               <a:t>∗</a:t>
             </a:r>
             <a:r>
-              <a:rPr lang="el-GR" dirty="0">
-                <a:solidFill>
-                  <a:schemeClr val="bg1"/>
-                </a:solidFill>
-              </a:rPr>
+              <a:rPr lang="el-GR" dirty="0"/>
               <a:t>} </a:t>
             </a:r>
-            <a:endParaRPr lang="cs-CZ" dirty="0">
-              <a:solidFill>
-                <a:schemeClr val="bg1"/>
-              </a:solidFill>
-            </a:endParaRPr>
+            <a:endParaRPr lang="cs-CZ" dirty="0"/>
           </a:p>
           <a:p>
             <a:pPr marL="0" indent="0">
@@ -14188,14 +13880,14 @@
               <p:nvPr>
                 <p:extLst>
                   <p:ext uri="{D42A27DB-BD31-4B8C-83A1-F6EECF244321}">
-                    <p14:modId xmlns:p14="http://schemas.microsoft.com/office/powerpoint/2010/main" val="884381798"/>
+                    <p14:modId xmlns:p14="http://schemas.microsoft.com/office/powerpoint/2010/main" val="2731863460"/>
                   </p:ext>
                 </p:extLst>
               </p:nvPr>
             </p:nvGraphicFramePr>
             <p:xfrm>
-              <a:off x="2030411" y="3429000"/>
-              <a:ext cx="8128000" cy="1897380"/>
+              <a:off x="1141411" y="3395709"/>
+              <a:ext cx="8128000" cy="1881844"/>
             </p:xfrm>
             <a:graphic>
               <a:graphicData uri="http://schemas.openxmlformats.org/drawingml/2006/table">
@@ -14233,7 +13925,7 @@
                       </a:extLst>
                     </a:gridCol>
                   </a:tblGrid>
-                  <a:tr h="502920">
+                  <a:tr h="487384">
                     <a:tc>
                       <a:txBody>
                         <a:bodyPr/>
@@ -14652,14 +14344,14 @@
               <p:nvPr>
                 <p:extLst>
                   <p:ext uri="{D42A27DB-BD31-4B8C-83A1-F6EECF244321}">
-                    <p14:modId xmlns:p14="http://schemas.microsoft.com/office/powerpoint/2010/main" val="884381798"/>
+                    <p14:modId xmlns:p14="http://schemas.microsoft.com/office/powerpoint/2010/main" val="2731863460"/>
                   </p:ext>
                 </p:extLst>
               </p:nvPr>
             </p:nvGraphicFramePr>
             <p:xfrm>
-              <a:off x="2030411" y="3429000"/>
-              <a:ext cx="8128000" cy="1897380"/>
+              <a:off x="1141411" y="3395709"/>
+              <a:ext cx="8128000" cy="1881844"/>
             </p:xfrm>
             <a:graphic>
               <a:graphicData uri="http://schemas.openxmlformats.org/drawingml/2006/table">
@@ -14697,7 +14389,7 @@
                       </a:extLst>
                     </a:gridCol>
                   </a:tblGrid>
-                  <a:tr h="502920">
+                  <a:tr h="487384">
                     <a:tc>
                       <a:txBody>
                         <a:bodyPr/>
@@ -14756,7 +14448,7 @@
                         <a:blipFill>
                           <a:blip r:embed="rId2"/>
                           <a:stretch>
-                            <a:fillRect l="-200000" t="-6024" r="-100898" b="-278313"/>
+                            <a:fillRect l="-200000" t="-6250" r="-100898" b="-288750"/>
                           </a:stretch>
                         </a:blipFill>
                       </a:tcPr>
@@ -15174,18 +14866,10 @@
           <a:lstStyle/>
           <a:p>
             <a:r>
-              <a:rPr lang="cs-CZ" dirty="0">
-                <a:solidFill>
-                  <a:schemeClr val="bg1"/>
-                </a:solidFill>
-              </a:rPr>
+              <a:rPr lang="cs-CZ" dirty="0"/>
               <a:t>Shlukování stavů</a:t>
             </a:r>
-            <a:endParaRPr lang="en-GB" dirty="0">
-              <a:solidFill>
-                <a:schemeClr val="bg1"/>
-              </a:solidFill>
-            </a:endParaRPr>
+            <a:endParaRPr lang="en-GB" dirty="0"/>
           </a:p>
         </p:txBody>
       </p:sp>
@@ -15213,52 +14897,28 @@
           <a:lstStyle/>
           <a:p>
             <a:r>
-              <a:rPr lang="cs-CZ" sz="2800" dirty="0">
-                <a:solidFill>
-                  <a:schemeClr val="bg1"/>
-                </a:solidFill>
-              </a:rPr>
+              <a:rPr lang="cs-CZ" sz="2800" dirty="0"/>
               <a:t>Nejmenší počet vzájemně disjunktních množin</a:t>
             </a:r>
           </a:p>
           <a:p>
-            <a:endParaRPr lang="cs-CZ" sz="2800" dirty="0">
-              <a:solidFill>
-                <a:schemeClr val="bg1"/>
-              </a:solidFill>
-            </a:endParaRPr>
+            <a:endParaRPr lang="cs-CZ" sz="2800" dirty="0"/>
           </a:p>
           <a:p>
             <a:r>
-              <a:rPr lang="cs-CZ" sz="2800" dirty="0">
-                <a:solidFill>
-                  <a:schemeClr val="bg1"/>
-                </a:solidFill>
-              </a:rPr>
+              <a:rPr lang="cs-CZ" sz="2800" dirty="0"/>
               <a:t>Hledání úplných podgrafů</a:t>
             </a:r>
           </a:p>
           <a:p>
-            <a:endParaRPr lang="cs-CZ" sz="2800" dirty="0">
-              <a:solidFill>
-                <a:schemeClr val="bg1"/>
-              </a:solidFill>
-            </a:endParaRPr>
+            <a:endParaRPr lang="cs-CZ" sz="2800" dirty="0"/>
           </a:p>
           <a:p>
             <a:r>
-              <a:rPr lang="cs-CZ" sz="2800" dirty="0">
-                <a:solidFill>
-                  <a:schemeClr val="bg1"/>
-                </a:solidFill>
-              </a:rPr>
+              <a:rPr lang="cs-CZ" sz="2800" dirty="0"/>
               <a:t>Heuristický přistup </a:t>
             </a:r>
-            <a:endParaRPr lang="en-GB" sz="2800" dirty="0">
-              <a:solidFill>
-                <a:schemeClr val="bg1"/>
-              </a:solidFill>
-            </a:endParaRPr>
+            <a:endParaRPr lang="en-GB" sz="2800" dirty="0"/>
           </a:p>
         </p:txBody>
       </p:sp>
@@ -15372,18 +15032,10 @@
           <a:lstStyle/>
           <a:p>
             <a:r>
-              <a:rPr lang="cs-CZ" dirty="0">
-                <a:solidFill>
-                  <a:schemeClr val="bg1"/>
-                </a:solidFill>
-              </a:rPr>
+              <a:rPr lang="cs-CZ" dirty="0"/>
               <a:t>Výsledky shlukování stavů</a:t>
             </a:r>
-            <a:endParaRPr lang="en-GB" dirty="0">
-              <a:solidFill>
-                <a:schemeClr val="bg1"/>
-              </a:solidFill>
-            </a:endParaRPr>
+            <a:endParaRPr lang="en-GB" dirty="0"/>
           </a:p>
         </p:txBody>
       </p:sp>
@@ -15403,13 +15055,13 @@
             <p:ph idx="1"/>
             <p:extLst>
               <p:ext uri="{D42A27DB-BD31-4B8C-83A1-F6EECF244321}">
-                <p14:modId xmlns:p14="http://schemas.microsoft.com/office/powerpoint/2010/main" val="1751072632"/>
+                <p14:modId xmlns:p14="http://schemas.microsoft.com/office/powerpoint/2010/main" val="2344707249"/>
               </p:ext>
             </p:extLst>
           </p:nvPr>
         </p:nvGraphicFramePr>
         <p:xfrm>
-          <a:off x="2057400" y="3429000"/>
+          <a:off x="1141413" y="3091648"/>
           <a:ext cx="8138161" cy="1880260"/>
         </p:xfrm>
         <a:graphic>
@@ -15458,14 +15110,14 @@
                       <a:r>
                         <a:rPr lang="cs-CZ" dirty="0">
                           <a:solidFill>
-                            <a:schemeClr val="bg1"/>
+                            <a:schemeClr val="tx1"/>
                           </a:solidFill>
                         </a:rPr>
                         <a:t>Soubor</a:t>
                       </a:r>
                       <a:endParaRPr lang="en-GB" dirty="0">
                         <a:solidFill>
-                          <a:schemeClr val="bg1"/>
+                          <a:schemeClr val="tx1"/>
                         </a:solidFill>
                       </a:endParaRPr>
                     </a:p>
@@ -15481,14 +15133,14 @@
                       <a:r>
                         <a:rPr lang="en-US" dirty="0">
                           <a:solidFill>
-                            <a:schemeClr val="bg1"/>
+                            <a:schemeClr val="tx1"/>
                           </a:solidFill>
                         </a:rPr>
                         <a:t>|Q|</a:t>
                       </a:r>
                       <a:endParaRPr lang="en-GB" dirty="0">
                         <a:solidFill>
-                          <a:schemeClr val="bg1"/>
+                          <a:schemeClr val="tx1"/>
                         </a:solidFill>
                       </a:endParaRPr>
                     </a:p>
@@ -15504,7 +15156,7 @@
                       <a:r>
                         <a:rPr lang="en-US" dirty="0">
                           <a:solidFill>
-                            <a:schemeClr val="bg1"/>
+                            <a:schemeClr val="tx1"/>
                           </a:solidFill>
                         </a:rPr>
                         <a:t>|</a:t>
@@ -15512,7 +15164,7 @@
                       <a:r>
                         <a:rPr lang="cs-CZ" dirty="0">
                           <a:solidFill>
-                            <a:schemeClr val="bg1"/>
+                            <a:schemeClr val="tx1"/>
                           </a:solidFill>
                         </a:rPr>
                         <a:t>Úplné grafy</a:t>
@@ -15520,14 +15172,14 @@
                       <a:r>
                         <a:rPr lang="en-US" dirty="0">
                           <a:solidFill>
-                            <a:schemeClr val="bg1"/>
+                            <a:schemeClr val="tx1"/>
                           </a:solidFill>
                         </a:rPr>
                         <a:t>|</a:t>
                       </a:r>
                       <a:endParaRPr lang="en-GB" dirty="0">
                         <a:solidFill>
-                          <a:schemeClr val="bg1"/>
+                          <a:schemeClr val="tx1"/>
                         </a:solidFill>
                       </a:endParaRPr>
                     </a:p>
@@ -15543,7 +15195,7 @@
                       <a:r>
                         <a:rPr lang="en-US" dirty="0">
                           <a:solidFill>
-                            <a:schemeClr val="bg1"/>
+                            <a:schemeClr val="tx1"/>
                           </a:solidFill>
                         </a:rPr>
                         <a:t>|</a:t>
@@ -15551,7 +15203,7 @@
                       <a:r>
                         <a:rPr lang="cs-CZ" dirty="0">
                           <a:solidFill>
-                            <a:schemeClr val="bg1"/>
+                            <a:schemeClr val="tx1"/>
                           </a:solidFill>
                         </a:rPr>
                         <a:t>největší podgraf</a:t>
@@ -15559,14 +15211,14 @@
                       <a:r>
                         <a:rPr lang="en-US" dirty="0">
                           <a:solidFill>
-                            <a:schemeClr val="bg1"/>
+                            <a:schemeClr val="tx1"/>
                           </a:solidFill>
                         </a:rPr>
                         <a:t>|</a:t>
                       </a:r>
                       <a:endParaRPr lang="en-GB" dirty="0">
                         <a:solidFill>
-                          <a:schemeClr val="bg1"/>
+                          <a:schemeClr val="tx1"/>
                         </a:solidFill>
                       </a:endParaRPr>
                     </a:p>
@@ -15815,11 +15467,7 @@
           <a:lstStyle/>
           <a:p>
             <a:r>
-              <a:rPr lang="cs-CZ" sz="2800" dirty="0">
-                <a:solidFill>
-                  <a:schemeClr val="bg1"/>
-                </a:solidFill>
-              </a:rPr>
+              <a:rPr lang="cs-CZ" sz="2800" dirty="0"/>
               <a:t>Velikost největšího úplného grafu </a:t>
             </a:r>
           </a:p>
@@ -15827,11 +15475,7 @@
             <a:pPr marL="0" indent="0">
               <a:buNone/>
             </a:pPr>
-            <a:endParaRPr lang="cs-CZ" dirty="0">
-              <a:solidFill>
-                <a:schemeClr val="bg1"/>
-              </a:solidFill>
-            </a:endParaRPr>
+            <a:endParaRPr lang="cs-CZ" dirty="0"/>
           </a:p>
         </p:txBody>
       </p:sp>
@@ -15945,26 +15589,14 @@
           <a:lstStyle/>
           <a:p>
             <a:r>
-              <a:rPr lang="cs-CZ" dirty="0" err="1">
-                <a:solidFill>
-                  <a:schemeClr val="bg1"/>
-                </a:solidFill>
-              </a:rPr>
+              <a:rPr lang="cs-CZ" dirty="0" err="1"/>
               <a:t>Vhdl</a:t>
             </a:r>
             <a:r>
-              <a:rPr lang="cs-CZ" dirty="0">
-                <a:solidFill>
-                  <a:schemeClr val="bg1"/>
-                </a:solidFill>
-              </a:rPr>
+              <a:rPr lang="cs-CZ" dirty="0"/>
               <a:t> reprezentace konečného automatu</a:t>
             </a:r>
-            <a:endParaRPr lang="en-GB" dirty="0">
-              <a:solidFill>
-                <a:schemeClr val="bg1"/>
-              </a:solidFill>
-            </a:endParaRPr>
+            <a:endParaRPr lang="en-GB" dirty="0"/>
           </a:p>
         </p:txBody>
       </p:sp>
@@ -15997,82 +15629,50 @@
           <a:lstStyle/>
           <a:p>
             <a:r>
-              <a:rPr lang="cs-CZ" sz="2800" dirty="0">
-                <a:solidFill>
-                  <a:schemeClr val="bg1"/>
-                </a:solidFill>
-              </a:rPr>
+              <a:rPr lang="cs-CZ" sz="2800" dirty="0"/>
               <a:t>Dekodér pro vstupní symboly</a:t>
             </a:r>
           </a:p>
           <a:p>
             <a:r>
-              <a:rPr lang="cs-CZ" sz="2800" dirty="0">
-                <a:solidFill>
-                  <a:schemeClr val="bg1"/>
-                </a:solidFill>
-              </a:rPr>
+              <a:rPr lang="cs-CZ" sz="2800" dirty="0"/>
               <a:t>Původní realizace</a:t>
             </a:r>
           </a:p>
           <a:p>
             <a:pPr lvl="1"/>
             <a:r>
-              <a:rPr lang="cs-CZ" sz="2400" dirty="0">
-                <a:solidFill>
-                  <a:schemeClr val="bg1"/>
-                </a:solidFill>
-              </a:rPr>
+              <a:rPr lang="cs-CZ" sz="2400" dirty="0"/>
               <a:t>Kombinační logika</a:t>
             </a:r>
           </a:p>
           <a:p>
             <a:r>
-              <a:rPr lang="cs-CZ" sz="2800" dirty="0">
-                <a:solidFill>
-                  <a:schemeClr val="bg1"/>
-                </a:solidFill>
-              </a:rPr>
+              <a:rPr lang="cs-CZ" sz="2800" dirty="0"/>
               <a:t>Realizace s kompaktní reprezentací</a:t>
             </a:r>
           </a:p>
           <a:p>
             <a:pPr lvl="1"/>
             <a:r>
-              <a:rPr lang="cs-CZ" sz="2400" dirty="0">
-                <a:solidFill>
-                  <a:schemeClr val="bg1"/>
-                </a:solidFill>
-              </a:rPr>
+              <a:rPr lang="cs-CZ" sz="2400" dirty="0"/>
               <a:t>Sdílený registr</a:t>
             </a:r>
           </a:p>
           <a:p>
             <a:pPr lvl="1"/>
             <a:r>
-              <a:rPr lang="cs-CZ" sz="2400" dirty="0">
-                <a:solidFill>
-                  <a:schemeClr val="bg1"/>
-                </a:solidFill>
-              </a:rPr>
+              <a:rPr lang="cs-CZ" sz="2400" dirty="0"/>
               <a:t> kodér </a:t>
             </a:r>
           </a:p>
           <a:p>
             <a:pPr lvl="1"/>
             <a:r>
-              <a:rPr lang="cs-CZ" sz="2400" dirty="0">
-                <a:solidFill>
-                  <a:schemeClr val="bg1"/>
-                </a:solidFill>
-              </a:rPr>
+              <a:rPr lang="cs-CZ" sz="2400" dirty="0"/>
               <a:t>dekodér </a:t>
             </a:r>
-            <a:endParaRPr lang="en-GB" sz="2400" dirty="0">
-              <a:solidFill>
-                <a:schemeClr val="bg1"/>
-              </a:solidFill>
-            </a:endParaRPr>
+            <a:endParaRPr lang="en-GB" sz="2400" dirty="0"/>
           </a:p>
         </p:txBody>
       </p:sp>
@@ -16186,18 +15786,10 @@
           <a:lstStyle/>
           <a:p>
             <a:r>
-              <a:rPr lang="cs-CZ" dirty="0">
-                <a:solidFill>
-                  <a:schemeClr val="bg1"/>
-                </a:solidFill>
-              </a:rPr>
+              <a:rPr lang="cs-CZ" dirty="0"/>
               <a:t>Experimenty</a:t>
             </a:r>
-            <a:endParaRPr lang="en-GB" dirty="0">
-              <a:solidFill>
-                <a:schemeClr val="bg1"/>
-              </a:solidFill>
-            </a:endParaRPr>
+            <a:endParaRPr lang="en-GB" dirty="0"/>
           </a:p>
         </p:txBody>
       </p:sp>
@@ -16228,40 +15820,20 @@
           <a:lstStyle/>
           <a:p>
             <a:r>
-              <a:rPr lang="cs-CZ" sz="2800" dirty="0">
-                <a:solidFill>
-                  <a:schemeClr val="bg1"/>
-                </a:solidFill>
-              </a:rPr>
+              <a:rPr lang="cs-CZ" sz="2800" dirty="0"/>
               <a:t>Snížení počtu registrů na 10-30</a:t>
             </a:r>
             <a:r>
-              <a:rPr lang="en-US" sz="2800" dirty="0">
-                <a:solidFill>
-                  <a:schemeClr val="bg1"/>
-                </a:solidFill>
-              </a:rPr>
+              <a:rPr lang="en-US" sz="2800" dirty="0"/>
               <a:t> %</a:t>
             </a:r>
-            <a:endParaRPr lang="cs-CZ" sz="2800" dirty="0">
-              <a:solidFill>
-                <a:schemeClr val="bg1"/>
-              </a:solidFill>
-            </a:endParaRPr>
-          </a:p>
-          <a:p>
-            <a:endParaRPr lang="cs-CZ" dirty="0">
-              <a:solidFill>
-                <a:schemeClr val="bg1"/>
-              </a:solidFill>
-            </a:endParaRPr>
-          </a:p>
-          <a:p>
-            <a:endParaRPr lang="en-GB" dirty="0">
-              <a:solidFill>
-                <a:schemeClr val="bg1"/>
-              </a:solidFill>
-            </a:endParaRPr>
+            <a:endParaRPr lang="cs-CZ" sz="2800" dirty="0"/>
+          </a:p>
+          <a:p>
+            <a:endParaRPr lang="cs-CZ" dirty="0"/>
+          </a:p>
+          <a:p>
+            <a:endParaRPr lang="en-GB" dirty="0"/>
           </a:p>
         </p:txBody>
       </p:sp>
@@ -16280,14 +15852,14 @@
           <p:nvPr>
             <p:extLst>
               <p:ext uri="{D42A27DB-BD31-4B8C-83A1-F6EECF244321}">
-                <p14:modId xmlns:p14="http://schemas.microsoft.com/office/powerpoint/2010/main" val="2628073568"/>
+                <p14:modId xmlns:p14="http://schemas.microsoft.com/office/powerpoint/2010/main" val="3734666298"/>
               </p:ext>
             </p:extLst>
           </p:nvPr>
         </p:nvGraphicFramePr>
         <p:xfrm>
-          <a:off x="1402080" y="2392679"/>
-          <a:ext cx="10012680" cy="2368235"/>
+          <a:off x="821816" y="2286380"/>
+          <a:ext cx="10763543" cy="3315529"/>
         </p:xfrm>
         <a:graphic>
           <a:graphicData uri="http://schemas.openxmlformats.org/drawingml/2006/table">
@@ -16296,49 +15868,49 @@
                 <a:tableStyleId>{7DF18680-E054-41AD-8BC1-D1AEF772440D}</a:tableStyleId>
               </a:tblPr>
               <a:tblGrid>
-                <a:gridCol w="1762796">
+                <a:gridCol w="2152968">
                   <a:extLst>
                     <a:ext uri="{9D8B030D-6E8A-4147-A177-3AD203B41FA5}">
                       <a16:colId xmlns:a16="http://schemas.microsoft.com/office/drawing/2014/main" val="3308128429"/>
                     </a:ext>
                   </a:extLst>
                 </a:gridCol>
-                <a:gridCol w="1097969">
+                <a:gridCol w="1270872">
                   <a:extLst>
                     <a:ext uri="{9D8B030D-6E8A-4147-A177-3AD203B41FA5}">
                       <a16:colId xmlns:a16="http://schemas.microsoft.com/office/drawing/2014/main" val="3309066318"/>
                     </a:ext>
                   </a:extLst>
                 </a:gridCol>
-                <a:gridCol w="1430383">
+                <a:gridCol w="1342920">
                   <a:extLst>
                     <a:ext uri="{9D8B030D-6E8A-4147-A177-3AD203B41FA5}">
                       <a16:colId xmlns:a16="http://schemas.microsoft.com/office/drawing/2014/main" val="757279797"/>
                     </a:ext>
                   </a:extLst>
                 </a:gridCol>
-                <a:gridCol w="1430383">
+                <a:gridCol w="1531315">
                   <a:extLst>
                     <a:ext uri="{9D8B030D-6E8A-4147-A177-3AD203B41FA5}">
                       <a16:colId xmlns:a16="http://schemas.microsoft.com/office/drawing/2014/main" val="2083114685"/>
                     </a:ext>
                   </a:extLst>
                 </a:gridCol>
-                <a:gridCol w="1430383">
+                <a:gridCol w="1426125">
                   <a:extLst>
                     <a:ext uri="{9D8B030D-6E8A-4147-A177-3AD203B41FA5}">
                       <a16:colId xmlns:a16="http://schemas.microsoft.com/office/drawing/2014/main" val="3696173425"/>
                     </a:ext>
                   </a:extLst>
                 </a:gridCol>
-                <a:gridCol w="1430383">
+                <a:gridCol w="1478720">
                   <a:extLst>
                     <a:ext uri="{9D8B030D-6E8A-4147-A177-3AD203B41FA5}">
                       <a16:colId xmlns:a16="http://schemas.microsoft.com/office/drawing/2014/main" val="163935793"/>
                     </a:ext>
                   </a:extLst>
                 </a:gridCol>
-                <a:gridCol w="1430383">
+                <a:gridCol w="1560623">
                   <a:extLst>
                     <a:ext uri="{9D8B030D-6E8A-4147-A177-3AD203B41FA5}">
                       <a16:colId xmlns:a16="http://schemas.microsoft.com/office/drawing/2014/main" val="486770247"/>
@@ -16353,18 +15925,34 @@
                     <a:lstStyle/>
                     <a:p>
                       <a:r>
-                        <a:rPr lang="en-US" sz="2000" dirty="0" err="1"/>
+                        <a:rPr lang="en-US" sz="2000" dirty="0" err="1">
+                          <a:solidFill>
+                            <a:schemeClr val="tx1"/>
+                          </a:solidFill>
+                        </a:rPr>
                         <a:t>Regul</a:t>
                       </a:r>
                       <a:r>
-                        <a:rPr lang="cs-CZ" sz="2000" dirty="0" err="1"/>
+                        <a:rPr lang="cs-CZ" sz="2000" dirty="0" err="1">
+                          <a:solidFill>
+                            <a:schemeClr val="tx1"/>
+                          </a:solidFill>
+                        </a:rPr>
                         <a:t>ární</a:t>
                       </a:r>
                       <a:r>
-                        <a:rPr lang="cs-CZ" sz="2000" dirty="0"/>
+                        <a:rPr lang="cs-CZ" sz="2000" dirty="0">
+                          <a:solidFill>
+                            <a:schemeClr val="tx1"/>
+                          </a:solidFill>
+                        </a:rPr>
                         <a:t> výrazy</a:t>
                       </a:r>
-                      <a:endParaRPr lang="en-GB" sz="2000" dirty="0"/>
+                      <a:endParaRPr lang="en-GB" sz="2000" dirty="0">
+                        <a:solidFill>
+                          <a:schemeClr val="tx1"/>
+                        </a:solidFill>
+                      </a:endParaRPr>
                     </a:p>
                   </a:txBody>
                   <a:tcPr>
@@ -16382,10 +15970,18 @@
                     <a:lstStyle/>
                     <a:p>
                       <a:r>
-                        <a:rPr lang="cs-CZ" sz="2000" dirty="0"/>
+                        <a:rPr lang="cs-CZ" sz="2000" dirty="0">
+                          <a:solidFill>
+                            <a:schemeClr val="tx1"/>
+                          </a:solidFill>
+                        </a:rPr>
                         <a:t>Původní reprezentace</a:t>
                       </a:r>
-                      <a:endParaRPr lang="en-GB" sz="2000" dirty="0"/>
+                      <a:endParaRPr lang="en-GB" sz="2000" dirty="0">
+                        <a:solidFill>
+                          <a:schemeClr val="tx1"/>
+                        </a:solidFill>
+                      </a:endParaRPr>
                     </a:p>
                   </a:txBody>
                   <a:tcPr>
@@ -16437,10 +16033,18 @@
                     <a:lstStyle/>
                     <a:p>
                       <a:r>
-                        <a:rPr lang="cs-CZ" sz="2000" dirty="0"/>
+                        <a:rPr lang="cs-CZ" sz="2000" dirty="0">
+                          <a:solidFill>
+                            <a:schemeClr val="tx1"/>
+                          </a:solidFill>
+                        </a:rPr>
                         <a:t>Kompaktní reprezentace</a:t>
                       </a:r>
-                      <a:endParaRPr lang="en-GB" sz="2000" dirty="0"/>
+                      <a:endParaRPr lang="en-GB" sz="2000" dirty="0">
+                        <a:solidFill>
+                          <a:schemeClr val="tx1"/>
+                        </a:solidFill>
+                      </a:endParaRPr>
                     </a:p>
                   </a:txBody>
                   <a:tcPr>
@@ -16516,10 +16120,18 @@
                     <a:lstStyle/>
                     <a:p>
                       <a:r>
-                        <a:rPr lang="cs-CZ" sz="2000" dirty="0"/>
+                        <a:rPr lang="cs-CZ" sz="2000" dirty="0">
+                          <a:solidFill>
+                            <a:schemeClr val="tx1"/>
+                          </a:solidFill>
+                        </a:rPr>
                         <a:t>registry</a:t>
                       </a:r>
-                      <a:endParaRPr lang="en-GB" sz="2000" dirty="0"/>
+                      <a:endParaRPr lang="en-GB" sz="2000" dirty="0">
+                        <a:solidFill>
+                          <a:schemeClr val="tx1"/>
+                        </a:solidFill>
+                      </a:endParaRPr>
                     </a:p>
                   </a:txBody>
                   <a:tcPr>
@@ -16537,10 +16149,18 @@
                     <a:lstStyle/>
                     <a:p>
                       <a:r>
-                        <a:rPr lang="cs-CZ" sz="2000" dirty="0"/>
+                        <a:rPr lang="cs-CZ" sz="2000" dirty="0">
+                          <a:solidFill>
+                            <a:schemeClr val="tx1"/>
+                          </a:solidFill>
+                        </a:rPr>
                         <a:t>log. členy</a:t>
                       </a:r>
-                      <a:endParaRPr lang="en-GB" sz="2000" dirty="0"/>
+                      <a:endParaRPr lang="en-GB" sz="2000" dirty="0">
+                        <a:solidFill>
+                          <a:schemeClr val="tx1"/>
+                        </a:solidFill>
+                      </a:endParaRPr>
                     </a:p>
                   </a:txBody>
                   <a:tcPr>
@@ -16558,10 +16178,34 @@
                     <a:lstStyle/>
                     <a:p>
                       <a:r>
-                        <a:rPr lang="cs-CZ" sz="2000" dirty="0"/>
-                        <a:t>zpoždění</a:t>
+                        <a:rPr lang="cs-CZ" sz="2000" dirty="0">
+                          <a:solidFill>
+                            <a:schemeClr val="tx1"/>
+                          </a:solidFill>
+                        </a:rPr>
+                        <a:t>zpoždění (</a:t>
                       </a:r>
-                      <a:endParaRPr lang="en-GB" sz="2000" dirty="0"/>
+                      <a:r>
+                        <a:rPr lang="cs-CZ" sz="2000" dirty="0" err="1">
+                          <a:solidFill>
+                            <a:schemeClr val="tx1"/>
+                          </a:solidFill>
+                        </a:rPr>
+                        <a:t>ns</a:t>
+                      </a:r>
+                      <a:r>
+                        <a:rPr lang="cs-CZ" sz="2000" dirty="0">
+                          <a:solidFill>
+                            <a:schemeClr val="tx1"/>
+                          </a:solidFill>
+                        </a:rPr>
+                        <a:t>)</a:t>
+                      </a:r>
+                      <a:endParaRPr lang="en-GB" sz="2000" dirty="0">
+                        <a:solidFill>
+                          <a:schemeClr val="tx1"/>
+                        </a:solidFill>
+                      </a:endParaRPr>
                     </a:p>
                   </a:txBody>
                   <a:tcPr>
@@ -16579,10 +16223,18 @@
                     <a:lstStyle/>
                     <a:p>
                       <a:r>
-                        <a:rPr lang="cs-CZ" sz="2000" dirty="0"/>
+                        <a:rPr lang="cs-CZ" sz="2000" dirty="0">
+                          <a:solidFill>
+                            <a:schemeClr val="tx1"/>
+                          </a:solidFill>
+                        </a:rPr>
                         <a:t>registry</a:t>
                       </a:r>
-                      <a:endParaRPr lang="en-GB" sz="2000" dirty="0"/>
+                      <a:endParaRPr lang="en-GB" sz="2000" dirty="0">
+                        <a:solidFill>
+                          <a:schemeClr val="tx1"/>
+                        </a:solidFill>
+                      </a:endParaRPr>
                     </a:p>
                   </a:txBody>
                   <a:tcPr>
@@ -16600,10 +16252,18 @@
                     <a:lstStyle/>
                     <a:p>
                       <a:r>
-                        <a:rPr lang="cs-CZ" sz="2000" dirty="0"/>
+                        <a:rPr lang="cs-CZ" sz="2000" dirty="0">
+                          <a:solidFill>
+                            <a:schemeClr val="tx1"/>
+                          </a:solidFill>
+                        </a:rPr>
                         <a:t>log. členy</a:t>
                       </a:r>
-                      <a:endParaRPr lang="en-GB" sz="2000" dirty="0"/>
+                      <a:endParaRPr lang="en-GB" sz="2000" dirty="0">
+                        <a:solidFill>
+                          <a:schemeClr val="tx1"/>
+                        </a:solidFill>
+                      </a:endParaRPr>
                     </a:p>
                   </a:txBody>
                   <a:tcPr>
@@ -16621,10 +16281,34 @@
                     <a:lstStyle/>
                     <a:p>
                       <a:r>
-                        <a:rPr lang="cs-CZ" sz="2000" dirty="0"/>
-                        <a:t>zpoždění</a:t>
+                        <a:rPr lang="cs-CZ" sz="2000" dirty="0">
+                          <a:solidFill>
+                            <a:schemeClr val="tx1"/>
+                          </a:solidFill>
+                        </a:rPr>
+                        <a:t>zpoždění (</a:t>
                       </a:r>
-                      <a:endParaRPr lang="en-GB" sz="2000" dirty="0"/>
+                      <a:r>
+                        <a:rPr lang="cs-CZ" sz="2000" dirty="0" err="1">
+                          <a:solidFill>
+                            <a:schemeClr val="tx1"/>
+                          </a:solidFill>
+                        </a:rPr>
+                        <a:t>ns</a:t>
+                      </a:r>
+                      <a:r>
+                        <a:rPr lang="cs-CZ" sz="2000" dirty="0">
+                          <a:solidFill>
+                            <a:schemeClr val="tx1"/>
+                          </a:solidFill>
+                        </a:rPr>
+                        <a:t>)</a:t>
+                      </a:r>
+                      <a:endParaRPr lang="en-GB" sz="2000" dirty="0">
+                        <a:solidFill>
+                          <a:schemeClr val="tx1"/>
+                        </a:solidFill>
+                      </a:endParaRPr>
                     </a:p>
                   </a:txBody>
                   <a:tcPr>
@@ -16957,6 +16641,216 @@
                   </a:ext>
                 </a:extLst>
               </a:tr>
+              <a:tr h="473647">
+                <a:tc>
+                  <a:txBody>
+                    <a:bodyPr/>
+                    <a:lstStyle/>
+                    <a:p>
+                      <a:r>
+                        <a:rPr lang="en-US" sz="2000" dirty="0"/>
+                        <a:t>classification-100g</a:t>
+                      </a:r>
+                      <a:endParaRPr lang="en-GB" sz="2000" dirty="0"/>
+                    </a:p>
+                  </a:txBody>
+                  <a:tcPr/>
+                </a:tc>
+                <a:tc>
+                  <a:txBody>
+                    <a:bodyPr/>
+                    <a:lstStyle/>
+                    <a:p>
+                      <a:r>
+                        <a:rPr lang="en-US" sz="2000" dirty="0"/>
+                        <a:t>217</a:t>
+                      </a:r>
+                      <a:endParaRPr lang="en-GB" sz="2000" dirty="0"/>
+                    </a:p>
+                  </a:txBody>
+                  <a:tcPr/>
+                </a:tc>
+                <a:tc>
+                  <a:txBody>
+                    <a:bodyPr/>
+                    <a:lstStyle/>
+                    <a:p>
+                      <a:r>
+                        <a:rPr lang="en-US" sz="2000" dirty="0"/>
+                        <a:t>235</a:t>
+                      </a:r>
+                      <a:endParaRPr lang="en-GB" sz="2000" dirty="0"/>
+                    </a:p>
+                  </a:txBody>
+                  <a:tcPr/>
+                </a:tc>
+                <a:tc>
+                  <a:txBody>
+                    <a:bodyPr/>
+                    <a:lstStyle/>
+                    <a:p>
+                      <a:r>
+                        <a:rPr lang="en-US" sz="2000" dirty="0"/>
+                        <a:t>0.680</a:t>
+                      </a:r>
+                      <a:endParaRPr lang="en-GB" sz="2000" dirty="0"/>
+                    </a:p>
+                  </a:txBody>
+                  <a:tcPr/>
+                </a:tc>
+                <a:tc>
+                  <a:txBody>
+                    <a:bodyPr/>
+                    <a:lstStyle/>
+                    <a:p>
+                      <a:r>
+                        <a:rPr lang="en-US" sz="2000" dirty="0"/>
+                        <a:t>60</a:t>
+                      </a:r>
+                      <a:endParaRPr lang="en-GB" sz="2000" dirty="0"/>
+                    </a:p>
+                  </a:txBody>
+                  <a:tcPr/>
+                </a:tc>
+                <a:tc>
+                  <a:txBody>
+                    <a:bodyPr/>
+                    <a:lstStyle/>
+                    <a:p>
+                      <a:r>
+                        <a:rPr lang="en-US" sz="2000" dirty="0"/>
+                        <a:t>2133</a:t>
+                      </a:r>
+                      <a:endParaRPr lang="en-GB" sz="2000" dirty="0"/>
+                    </a:p>
+                  </a:txBody>
+                  <a:tcPr/>
+                </a:tc>
+                <a:tc>
+                  <a:txBody>
+                    <a:bodyPr/>
+                    <a:lstStyle/>
+                    <a:p>
+                      <a:r>
+                        <a:rPr lang="en-US" sz="2000" dirty="0"/>
+                        <a:t>2.535</a:t>
+                      </a:r>
+                      <a:endParaRPr lang="en-GB" sz="2000" dirty="0"/>
+                    </a:p>
+                  </a:txBody>
+                  <a:tcPr/>
+                </a:tc>
+                <a:extLst>
+                  <a:ext uri="{0D108BD9-81ED-4DB2-BD59-A6C34878D82A}">
+                    <a16:rowId xmlns:a16="http://schemas.microsoft.com/office/drawing/2014/main" val="1083659903"/>
+                  </a:ext>
+                </a:extLst>
+              </a:tr>
+              <a:tr h="473647">
+                <a:tc>
+                  <a:txBody>
+                    <a:bodyPr/>
+                    <a:lstStyle/>
+                    <a:p>
+                      <a:r>
+                        <a:rPr lang="en-US" sz="2000" dirty="0"/>
+                        <a:t>detection-100g</a:t>
+                      </a:r>
+                      <a:endParaRPr lang="en-GB" sz="2000" dirty="0"/>
+                    </a:p>
+                  </a:txBody>
+                  <a:tcPr/>
+                </a:tc>
+                <a:tc>
+                  <a:txBody>
+                    <a:bodyPr/>
+                    <a:lstStyle/>
+                    <a:p>
+                      <a:r>
+                        <a:rPr lang="en-US" sz="2000" dirty="0"/>
+                        <a:t>217</a:t>
+                      </a:r>
+                      <a:endParaRPr lang="en-GB" sz="2000" dirty="0"/>
+                    </a:p>
+                  </a:txBody>
+                  <a:tcPr/>
+                </a:tc>
+                <a:tc>
+                  <a:txBody>
+                    <a:bodyPr/>
+                    <a:lstStyle/>
+                    <a:p>
+                      <a:r>
+                        <a:rPr lang="en-US" sz="2000" dirty="0"/>
+                        <a:t>236</a:t>
+                      </a:r>
+                      <a:endParaRPr lang="en-GB" sz="2000" dirty="0"/>
+                    </a:p>
+                  </a:txBody>
+                  <a:tcPr/>
+                </a:tc>
+                <a:tc>
+                  <a:txBody>
+                    <a:bodyPr/>
+                    <a:lstStyle/>
+                    <a:p>
+                      <a:r>
+                        <a:rPr lang="en-US" sz="2000" dirty="0"/>
+                        <a:t>0.638</a:t>
+                      </a:r>
+                      <a:endParaRPr lang="en-GB" sz="2000" dirty="0"/>
+                    </a:p>
+                  </a:txBody>
+                  <a:tcPr/>
+                </a:tc>
+                <a:tc>
+                  <a:txBody>
+                    <a:bodyPr/>
+                    <a:lstStyle/>
+                    <a:p>
+                      <a:r>
+                        <a:rPr lang="en-US" sz="2000" dirty="0"/>
+                        <a:t>33</a:t>
+                      </a:r>
+                      <a:endParaRPr lang="en-GB" sz="2000" dirty="0"/>
+                    </a:p>
+                  </a:txBody>
+                  <a:tcPr/>
+                </a:tc>
+                <a:tc>
+                  <a:txBody>
+                    <a:bodyPr/>
+                    <a:lstStyle/>
+                    <a:p>
+                      <a:r>
+                        <a:rPr lang="en-US" sz="2000" dirty="0"/>
+                        <a:t>1182</a:t>
+                      </a:r>
+                      <a:endParaRPr lang="en-GB" sz="2000" dirty="0"/>
+                    </a:p>
+                  </a:txBody>
+                  <a:tcPr/>
+                </a:tc>
+                <a:tc>
+                  <a:txBody>
+                    <a:bodyPr/>
+                    <a:lstStyle/>
+                    <a:p>
+                      <a:r>
+                        <a:rPr lang="en-US" sz="2000" dirty="0"/>
+                        <a:t>2.452</a:t>
+                      </a:r>
+                      <a:endParaRPr lang="en-GB" sz="2000" dirty="0"/>
+                    </a:p>
+                  </a:txBody>
+                  <a:tcPr/>
+                </a:tc>
+                <a:extLst>
+                  <a:ext uri="{0D108BD9-81ED-4DB2-BD59-A6C34878D82A}">
+                    <a16:rowId xmlns:a16="http://schemas.microsoft.com/office/drawing/2014/main" val="3759313422"/>
+                  </a:ext>
+                </a:extLst>
+              </a:tr>
             </a:tbl>
           </a:graphicData>
         </a:graphic>
@@ -17071,18 +16965,10 @@
           <a:lstStyle/>
           <a:p>
             <a:r>
-              <a:rPr lang="cs-CZ" dirty="0">
-                <a:solidFill>
-                  <a:schemeClr val="bg1"/>
-                </a:solidFill>
-              </a:rPr>
+              <a:rPr lang="cs-CZ" dirty="0"/>
               <a:t>Procentuální Poměry v datech </a:t>
             </a:r>
-            <a:endParaRPr lang="en-GB" dirty="0">
-              <a:solidFill>
-                <a:schemeClr val="bg1"/>
-              </a:solidFill>
-            </a:endParaRPr>
+            <a:endParaRPr lang="en-GB" dirty="0"/>
           </a:p>
         </p:txBody>
       </p:sp>
@@ -17102,14 +16988,14 @@
             <p:ph idx="1"/>
             <p:extLst>
               <p:ext uri="{D42A27DB-BD31-4B8C-83A1-F6EECF244321}">
-                <p14:modId xmlns:p14="http://schemas.microsoft.com/office/powerpoint/2010/main" val="2822733636"/>
+                <p14:modId xmlns:p14="http://schemas.microsoft.com/office/powerpoint/2010/main" val="393841761"/>
               </p:ext>
             </p:extLst>
           </p:nvPr>
         </p:nvGraphicFramePr>
         <p:xfrm>
           <a:off x="1141413" y="2097089"/>
-          <a:ext cx="9905548" cy="2282405"/>
+          <a:ext cx="9905548" cy="3195367"/>
         </p:xfrm>
         <a:graphic>
           <a:graphicData uri="http://schemas.openxmlformats.org/drawingml/2006/table">
@@ -17154,10 +17040,18 @@
                     <a:lstStyle/>
                     <a:p>
                       <a:r>
-                        <a:rPr lang="cs-CZ" sz="2000" dirty="0"/>
+                        <a:rPr lang="cs-CZ" sz="2000" dirty="0">
+                          <a:solidFill>
+                            <a:schemeClr val="tx1"/>
+                          </a:solidFill>
+                        </a:rPr>
                         <a:t>Regulární výrazy</a:t>
                       </a:r>
-                      <a:endParaRPr lang="en-GB" sz="2000" dirty="0"/>
+                      <a:endParaRPr lang="en-GB" sz="2000" dirty="0">
+                        <a:solidFill>
+                          <a:schemeClr val="tx1"/>
+                        </a:solidFill>
+                      </a:endParaRPr>
                     </a:p>
                   </a:txBody>
                   <a:tcPr marL="154690" marR="154690">
@@ -17175,18 +17069,34 @@
                     <a:lstStyle/>
                     <a:p>
                       <a:r>
-                        <a:rPr lang="cs-CZ" sz="2000" dirty="0"/>
+                        <a:rPr lang="cs-CZ" sz="2000" dirty="0">
+                          <a:solidFill>
+                            <a:schemeClr val="tx1"/>
+                          </a:solidFill>
+                        </a:rPr>
                         <a:t>Kompaktní </a:t>
                       </a:r>
                       <a:r>
-                        <a:rPr lang="en-US" sz="2000" dirty="0"/>
+                        <a:rPr lang="en-US" sz="2000" dirty="0">
+                          <a:solidFill>
+                            <a:schemeClr val="tx1"/>
+                          </a:solidFill>
+                        </a:rPr>
                         <a:t>/ </a:t>
                       </a:r>
                       <a:r>
-                        <a:rPr lang="cs-CZ" sz="2000" dirty="0"/>
+                        <a:rPr lang="cs-CZ" sz="2000" dirty="0">
+                          <a:solidFill>
+                            <a:schemeClr val="tx1"/>
+                          </a:solidFill>
+                        </a:rPr>
                         <a:t>původní realizace </a:t>
                       </a:r>
-                      <a:endParaRPr lang="en-GB" sz="2000" dirty="0"/>
+                      <a:endParaRPr lang="en-GB" sz="2000" dirty="0">
+                        <a:solidFill>
+                          <a:schemeClr val="tx1"/>
+                        </a:solidFill>
+                      </a:endParaRPr>
                     </a:p>
                   </a:txBody>
                   <a:tcPr marL="154690" marR="154690">
@@ -17262,10 +17172,18 @@
                     <a:lstStyle/>
                     <a:p>
                       <a:r>
-                        <a:rPr lang="cs-CZ" sz="2000" dirty="0"/>
+                        <a:rPr lang="cs-CZ" sz="2000" dirty="0">
+                          <a:solidFill>
+                            <a:schemeClr val="tx1"/>
+                          </a:solidFill>
+                        </a:rPr>
                         <a:t>registry</a:t>
                       </a:r>
-                      <a:endParaRPr lang="en-GB" sz="2000" dirty="0"/>
+                      <a:endParaRPr lang="en-GB" sz="2000" dirty="0">
+                        <a:solidFill>
+                          <a:schemeClr val="tx1"/>
+                        </a:solidFill>
+                      </a:endParaRPr>
                     </a:p>
                   </a:txBody>
                   <a:tcPr marL="154690" marR="154690">
@@ -17283,10 +17201,18 @@
                     <a:lstStyle/>
                     <a:p>
                       <a:r>
-                        <a:rPr lang="cs-CZ" sz="2000" dirty="0"/>
+                        <a:rPr lang="cs-CZ" sz="2000" dirty="0">
+                          <a:solidFill>
+                            <a:schemeClr val="tx1"/>
+                          </a:solidFill>
+                        </a:rPr>
                         <a:t>log. členy</a:t>
                       </a:r>
-                      <a:endParaRPr lang="en-GB" sz="2000" dirty="0"/>
+                      <a:endParaRPr lang="en-GB" sz="2000" dirty="0">
+                        <a:solidFill>
+                          <a:schemeClr val="tx1"/>
+                        </a:solidFill>
+                      </a:endParaRPr>
                     </a:p>
                   </a:txBody>
                   <a:tcPr marL="154690" marR="154690">
@@ -17304,10 +17230,34 @@
                     <a:lstStyle/>
                     <a:p>
                       <a:r>
-                        <a:rPr lang="cs-CZ" sz="2000" dirty="0"/>
-                        <a:t>zpoždění</a:t>
+                        <a:rPr lang="cs-CZ" sz="2000" dirty="0">
+                          <a:solidFill>
+                            <a:schemeClr val="tx1"/>
+                          </a:solidFill>
+                        </a:rPr>
+                        <a:t>Zpoždění (</a:t>
                       </a:r>
-                      <a:endParaRPr lang="en-GB" sz="2000" dirty="0"/>
+                      <a:r>
+                        <a:rPr lang="cs-CZ" sz="2000" dirty="0" err="1">
+                          <a:solidFill>
+                            <a:schemeClr val="tx1"/>
+                          </a:solidFill>
+                        </a:rPr>
+                        <a:t>ns</a:t>
+                      </a:r>
+                      <a:r>
+                        <a:rPr lang="cs-CZ" sz="2000" dirty="0">
+                          <a:solidFill>
+                            <a:schemeClr val="tx1"/>
+                          </a:solidFill>
+                        </a:rPr>
+                        <a:t>)</a:t>
+                      </a:r>
+                      <a:endParaRPr lang="en-GB" sz="2000" dirty="0">
+                        <a:solidFill>
+                          <a:schemeClr val="tx1"/>
+                        </a:solidFill>
+                      </a:endParaRPr>
                     </a:p>
                   </a:txBody>
                   <a:tcPr marL="154690" marR="154690">
@@ -17511,6 +17461,132 @@
                 <a:extLst>
                   <a:ext uri="{0D108BD9-81ED-4DB2-BD59-A6C34878D82A}">
                     <a16:rowId xmlns:a16="http://schemas.microsoft.com/office/drawing/2014/main" val="495863157"/>
+                  </a:ext>
+                </a:extLst>
+              </a:tr>
+              <a:tr h="456481">
+                <a:tc>
+                  <a:txBody>
+                    <a:bodyPr/>
+                    <a:lstStyle/>
+                    <a:p>
+                      <a:r>
+                        <a:rPr lang="en-US" sz="2000" dirty="0"/>
+                        <a:t>classification-100g</a:t>
+                      </a:r>
+                      <a:endParaRPr lang="en-GB" sz="2000" dirty="0"/>
+                    </a:p>
+                  </a:txBody>
+                  <a:tcPr/>
+                </a:tc>
+                <a:tc>
+                  <a:txBody>
+                    <a:bodyPr/>
+                    <a:lstStyle/>
+                    <a:p>
+                      <a:r>
+                        <a:rPr lang="en-US" sz="2000" dirty="0"/>
+                        <a:t>0.2765</a:t>
+                      </a:r>
+                      <a:endParaRPr lang="en-GB" sz="2000" dirty="0"/>
+                    </a:p>
+                  </a:txBody>
+                  <a:tcPr marL="154690" marR="154690"/>
+                </a:tc>
+                <a:tc>
+                  <a:txBody>
+                    <a:bodyPr/>
+                    <a:lstStyle/>
+                    <a:p>
+                      <a:r>
+                        <a:rPr lang="en-US" sz="2000" dirty="0"/>
+                        <a:t>9.0766</a:t>
+                      </a:r>
+                      <a:endParaRPr lang="en-GB" sz="2000" dirty="0"/>
+                    </a:p>
+                  </a:txBody>
+                  <a:tcPr marL="154690" marR="154690"/>
+                </a:tc>
+                <a:tc>
+                  <a:txBody>
+                    <a:bodyPr/>
+                    <a:lstStyle/>
+                    <a:p>
+                      <a:r>
+                        <a:rPr lang="en-US" sz="2000" dirty="0"/>
+                        <a:t>3.7280</a:t>
+                      </a:r>
+                      <a:endParaRPr lang="en-GB" sz="2000" dirty="0"/>
+                    </a:p>
+                  </a:txBody>
+                  <a:tcPr marL="154690" marR="154690"/>
+                </a:tc>
+                <a:extLst>
+                  <a:ext uri="{0D108BD9-81ED-4DB2-BD59-A6C34878D82A}">
+                    <a16:rowId xmlns:a16="http://schemas.microsoft.com/office/drawing/2014/main" val="3491096974"/>
+                  </a:ext>
+                </a:extLst>
+              </a:tr>
+              <a:tr h="456481">
+                <a:tc>
+                  <a:txBody>
+                    <a:bodyPr/>
+                    <a:lstStyle/>
+                    <a:p>
+                      <a:r>
+                        <a:rPr lang="en-US" sz="2000" dirty="0"/>
+                        <a:t>detection-100g</a:t>
+                      </a:r>
+                      <a:endParaRPr lang="en-GB" sz="2000" dirty="0"/>
+                    </a:p>
+                  </a:txBody>
+                  <a:tcPr/>
+                </a:tc>
+                <a:tc>
+                  <a:txBody>
+                    <a:bodyPr/>
+                    <a:lstStyle/>
+                    <a:p>
+                      <a:r>
+                        <a:rPr lang="en-US" sz="2000" dirty="0"/>
+                        <a:t>0.1521</a:t>
+                      </a:r>
+                      <a:endParaRPr lang="en-GB" sz="2000" dirty="0"/>
+                    </a:p>
+                  </a:txBody>
+                  <a:tcPr marL="154690" marR="154690"/>
+                </a:tc>
+                <a:tc>
+                  <a:txBody>
+                    <a:bodyPr/>
+                    <a:lstStyle/>
+                    <a:p>
+                      <a:r>
+                        <a:rPr lang="en-US" sz="2000" dirty="0"/>
+                        <a:t>5.0080</a:t>
+                      </a:r>
+                      <a:endParaRPr lang="en-GB" sz="2000" dirty="0"/>
+                    </a:p>
+                  </a:txBody>
+                  <a:tcPr marL="154690" marR="154690"/>
+                </a:tc>
+                <a:tc>
+                  <a:txBody>
+                    <a:bodyPr/>
+                    <a:lstStyle/>
+                    <a:p>
+                      <a:r>
+                        <a:rPr lang="en-US" sz="2000" dirty="0"/>
+                        <a:t>3.8433</a:t>
+                      </a:r>
+                      <a:endParaRPr lang="en-GB" sz="2000" dirty="0"/>
+                    </a:p>
+                  </a:txBody>
+                  <a:tcPr marL="154690" marR="154690"/>
+                </a:tc>
+                <a:extLst>
+                  <a:ext uri="{0D108BD9-81ED-4DB2-BD59-A6C34878D82A}">
+                    <a16:rowId xmlns:a16="http://schemas.microsoft.com/office/drawing/2014/main" val="3861386143"/>
                   </a:ext>
                 </a:extLst>
               </a:tr>
